--- a/SS-Mobile-Two/Face2Face.Presentation.pptx
+++ b/SS-Mobile-Two/Face2Face.Presentation.pptx
@@ -10,6 +10,7 @@
     <p:sldId id="258" r:id="rId4"/>
     <p:sldId id="259" r:id="rId5"/>
     <p:sldId id="260" r:id="rId6"/>
+    <p:sldId id="261" r:id="rId7"/>
   </p:sldIdLst>
   <p:sldSz cx="9144000" cy="6858000" type="screen4x3"/>
   <p:notesSz cx="6858000" cy="9144000"/>
@@ -3210,6 +3211,13 @@
   <p:clrMapOvr>
     <a:masterClrMapping/>
   </p:clrMapOvr>
+  <p:timing>
+    <p:tnLst>
+      <p:par>
+        <p:cTn id="1" dur="indefinite" restart="never" nodeType="tmRoot"/>
+      </p:par>
+    </p:tnLst>
+  </p:timing>
 </p:sld>
 </file>
 
@@ -3245,7 +3253,11 @@
           <a:bodyPr/>
           <a:lstStyle/>
           <a:p>
-            <a:endParaRPr lang="en-US"/>
+            <a:r>
+              <a:rPr lang="en-US" dirty="0" smtClean="0"/>
+              <a:t>Single Play Mode</a:t>
+            </a:r>
+            <a:endParaRPr lang="en-US" dirty="0"/>
           </a:p>
         </p:txBody>
       </p:sp>
@@ -3285,8 +3297,8 @@
         </p:blipFill>
         <p:spPr bwMode="auto">
           <a:xfrm>
-            <a:off x="2590800" y="304799"/>
-            <a:ext cx="3733800" cy="6238755"/>
+            <a:off x="2971800" y="1524000"/>
+            <a:ext cx="2912918" cy="4867154"/>
           </a:xfrm>
           <a:prstGeom prst="rect">
             <a:avLst/>
@@ -3305,6 +3317,13 @@
   <p:clrMapOvr>
     <a:masterClrMapping/>
   </p:clrMapOvr>
+  <p:timing>
+    <p:tnLst>
+      <p:par>
+        <p:cTn id="1" dur="indefinite" restart="never" nodeType="tmRoot"/>
+      </p:par>
+    </p:tnLst>
+  </p:timing>
 </p:sld>
 </file>
 
@@ -3340,7 +3359,11 @@
           <a:bodyPr/>
           <a:lstStyle/>
           <a:p>
-            <a:endParaRPr lang="en-US"/>
+            <a:r>
+              <a:rPr lang="en-US" dirty="0" smtClean="0"/>
+              <a:t>Multiplayer – shot your friends</a:t>
+            </a:r>
+            <a:endParaRPr lang="en-US" dirty="0"/>
           </a:p>
         </p:txBody>
       </p:sp>
@@ -3359,15 +3382,54 @@
           <a:bodyPr/>
           <a:lstStyle/>
           <a:p>
-            <a:endParaRPr lang="en-US"/>
-          </a:p>
-        </p:txBody>
-      </p:sp>
+            <a:endParaRPr lang="en-US" dirty="0"/>
+          </a:p>
+        </p:txBody>
+      </p:sp>
+      <p:pic>
+        <p:nvPicPr>
+          <p:cNvPr id="4098" name="Picture 2"/>
+          <p:cNvPicPr>
+            <a:picLocks noChangeAspect="1" noChangeArrowheads="1"/>
+          </p:cNvPicPr>
+          <p:nvPr/>
+        </p:nvPicPr>
+        <p:blipFill>
+          <a:blip r:embed="rId2" cstate="print"/>
+          <a:srcRect/>
+          <a:stretch>
+            <a:fillRect/>
+          </a:stretch>
+        </p:blipFill>
+        <p:spPr bwMode="auto">
+          <a:xfrm>
+            <a:off x="3124200" y="1447800"/>
+            <a:ext cx="3009900" cy="5029200"/>
+          </a:xfrm>
+          <a:prstGeom prst="rect">
+            <a:avLst/>
+          </a:prstGeom>
+          <a:noFill/>
+          <a:ln w="9525">
+            <a:noFill/>
+            <a:miter lim="800000"/>
+            <a:headEnd/>
+            <a:tailEnd/>
+          </a:ln>
+        </p:spPr>
+      </p:pic>
     </p:spTree>
   </p:cSld>
   <p:clrMapOvr>
     <a:masterClrMapping/>
   </p:clrMapOvr>
+  <p:timing>
+    <p:tnLst>
+      <p:par>
+        <p:cTn id="1" dur="indefinite" restart="never" nodeType="tmRoot"/>
+      </p:par>
+    </p:tnLst>
+  </p:timing>
 </p:sld>
 </file>
 
@@ -3403,34 +3465,204 @@
           <a:bodyPr/>
           <a:lstStyle/>
           <a:p>
-            <a:endParaRPr lang="en-US"/>
-          </a:p>
-        </p:txBody>
-      </p:sp>
-      <p:sp>
-        <p:nvSpPr>
-          <p:cNvPr id="3" name="Content Placeholder 2"/>
-          <p:cNvSpPr>
-            <a:spLocks noGrp="1"/>
-          </p:cNvSpPr>
+            <a:r>
+              <a:rPr lang="en-US" dirty="0" smtClean="0"/>
+              <a:t>You have two teams – PLAY </a:t>
+            </a:r>
+            <a:r>
+              <a:rPr lang="en-US" dirty="0" smtClean="0">
+                <a:sym typeface="Wingdings" pitchFamily="2" charset="2"/>
+              </a:rPr>
+              <a:t></a:t>
+            </a:r>
+            <a:endParaRPr lang="en-US" dirty="0"/>
+          </a:p>
+        </p:txBody>
+      </p:sp>
+      <p:pic>
+        <p:nvPicPr>
+          <p:cNvPr id="6146" name="Picture 2"/>
+          <p:cNvPicPr>
+            <a:picLocks noGrp="1" noChangeAspect="1" noChangeArrowheads="1"/>
+          </p:cNvPicPr>
           <p:nvPr>
             <p:ph idx="1"/>
           </p:nvPr>
-        </p:nvSpPr>
-        <p:spPr/>
-        <p:txBody>
-          <a:bodyPr/>
-          <a:lstStyle/>
-          <a:p>
-            <a:endParaRPr lang="en-US"/>
-          </a:p>
-        </p:txBody>
-      </p:sp>
+        </p:nvPicPr>
+        <p:blipFill>
+          <a:blip r:embed="rId2" cstate="print"/>
+          <a:srcRect/>
+          <a:stretch>
+            <a:fillRect/>
+          </a:stretch>
+        </p:blipFill>
+        <p:spPr bwMode="auto">
+          <a:xfrm>
+            <a:off x="1371600" y="1371600"/>
+            <a:ext cx="2708720" cy="4525963"/>
+          </a:xfrm>
+          <a:prstGeom prst="rect">
+            <a:avLst/>
+          </a:prstGeom>
+          <a:noFill/>
+          <a:ln w="9525">
+            <a:noFill/>
+            <a:miter lim="800000"/>
+            <a:headEnd/>
+            <a:tailEnd/>
+          </a:ln>
+        </p:spPr>
+      </p:pic>
+      <p:pic>
+        <p:nvPicPr>
+          <p:cNvPr id="6147" name="Picture 3"/>
+          <p:cNvPicPr>
+            <a:picLocks noChangeAspect="1" noChangeArrowheads="1"/>
+          </p:cNvPicPr>
+          <p:nvPr/>
+        </p:nvPicPr>
+        <p:blipFill>
+          <a:blip r:embed="rId3" cstate="print"/>
+          <a:srcRect/>
+          <a:stretch>
+            <a:fillRect/>
+          </a:stretch>
+        </p:blipFill>
+        <p:spPr bwMode="auto">
+          <a:xfrm>
+            <a:off x="5029200" y="1447800"/>
+            <a:ext cx="2599459" cy="4343400"/>
+          </a:xfrm>
+          <a:prstGeom prst="rect">
+            <a:avLst/>
+          </a:prstGeom>
+          <a:noFill/>
+          <a:ln w="9525">
+            <a:noFill/>
+            <a:miter lim="800000"/>
+            <a:headEnd/>
+            <a:tailEnd/>
+          </a:ln>
+        </p:spPr>
+      </p:pic>
     </p:spTree>
   </p:cSld>
   <p:clrMapOvr>
     <a:masterClrMapping/>
   </p:clrMapOvr>
+  <p:timing>
+    <p:tnLst>
+      <p:par>
+        <p:cTn id="1" dur="indefinite" restart="never" nodeType="tmRoot"/>
+      </p:par>
+    </p:tnLst>
+  </p:timing>
+</p:sld>
+</file>
+
+<file path=ppt/slides/slide6.xml><?xml version="1.0" encoding="utf-8"?>
+<p:sld xmlns:a="http://schemas.openxmlformats.org/drawingml/2006/main" xmlns:r="http://schemas.openxmlformats.org/officeDocument/2006/relationships" xmlns:p="http://schemas.openxmlformats.org/presentationml/2006/main">
+  <p:cSld>
+    <p:spTree>
+      <p:nvGrpSpPr>
+        <p:cNvPr id="1" name=""/>
+        <p:cNvGrpSpPr/>
+        <p:nvPr/>
+      </p:nvGrpSpPr>
+      <p:grpSpPr>
+        <a:xfrm>
+          <a:off x="0" y="0"/>
+          <a:ext cx="0" cy="0"/>
+          <a:chOff x="0" y="0"/>
+          <a:chExt cx="0" cy="0"/>
+        </a:xfrm>
+      </p:grpSpPr>
+      <p:sp>
+        <p:nvSpPr>
+          <p:cNvPr id="2" name="Title 1"/>
+          <p:cNvSpPr>
+            <a:spLocks noGrp="1"/>
+          </p:cNvSpPr>
+          <p:nvPr>
+            <p:ph type="title"/>
+          </p:nvPr>
+        </p:nvSpPr>
+        <p:spPr/>
+        <p:txBody>
+          <a:bodyPr/>
+          <a:lstStyle/>
+          <a:p>
+            <a:r>
+              <a:rPr lang="en-US" dirty="0" smtClean="0"/>
+              <a:t>YOU WON!</a:t>
+            </a:r>
+            <a:endParaRPr lang="en-US" dirty="0"/>
+          </a:p>
+        </p:txBody>
+      </p:sp>
+      <p:sp>
+        <p:nvSpPr>
+          <p:cNvPr id="3" name="Content Placeholder 2"/>
+          <p:cNvSpPr>
+            <a:spLocks noGrp="1"/>
+          </p:cNvSpPr>
+          <p:nvPr>
+            <p:ph idx="1"/>
+          </p:nvPr>
+        </p:nvSpPr>
+        <p:spPr/>
+        <p:txBody>
+          <a:bodyPr/>
+          <a:lstStyle/>
+          <a:p>
+            <a:endParaRPr lang="en-US" dirty="0"/>
+          </a:p>
+        </p:txBody>
+      </p:sp>
+      <p:pic>
+        <p:nvPicPr>
+          <p:cNvPr id="5122" name="Picture 2"/>
+          <p:cNvPicPr>
+            <a:picLocks noChangeAspect="1" noChangeArrowheads="1"/>
+          </p:cNvPicPr>
+          <p:nvPr/>
+        </p:nvPicPr>
+        <p:blipFill>
+          <a:blip r:embed="rId2" cstate="print"/>
+          <a:srcRect/>
+          <a:stretch>
+            <a:fillRect/>
+          </a:stretch>
+        </p:blipFill>
+        <p:spPr bwMode="auto">
+          <a:xfrm>
+            <a:off x="3048000" y="1371600"/>
+            <a:ext cx="3009900" cy="5029200"/>
+          </a:xfrm>
+          <a:prstGeom prst="rect">
+            <a:avLst/>
+          </a:prstGeom>
+          <a:noFill/>
+          <a:ln w="9525">
+            <a:noFill/>
+            <a:miter lim="800000"/>
+            <a:headEnd/>
+            <a:tailEnd/>
+          </a:ln>
+        </p:spPr>
+      </p:pic>
+    </p:spTree>
+  </p:cSld>
+  <p:clrMapOvr>
+    <a:masterClrMapping/>
+  </p:clrMapOvr>
+  <p:timing>
+    <p:tnLst>
+      <p:par>
+        <p:cTn id="1" dur="indefinite" restart="never" nodeType="tmRoot"/>
+      </p:par>
+    </p:tnLst>
+  </p:timing>
 </p:sld>
 </file>
 
